--- a/spring15/slidesS15/friends-cases.pptx
+++ b/spring15/slidesS15/friends-cases.pptx
@@ -25,7 +25,7 @@
     <p:sldId id="452" r:id="rId13"/>
   </p:sldIdLst>
   <p:sldSz cx="9144000" cy="6858000" type="screen4x3"/>
-  <p:notesSz cx="7315200" cy="9601200"/>
+  <p:notesSz cx="9601200" cy="7315200"/>
   <p:custDataLst>
     <p:tags r:id="rId17"/>
   </p:custDataLst>
@@ -195,7 +195,7 @@
         <p:spPr bwMode="auto">
           <a:xfrm>
             <a:off x="0" y="0"/>
-            <a:ext cx="3170238" cy="479425"/>
+            <a:ext cx="4160937" cy="365276"/>
           </a:xfrm>
           <a:prstGeom prst="rect">
             <a:avLst/>
@@ -240,8 +240,8 @@
         </p:nvSpPr>
         <p:spPr bwMode="auto">
           <a:xfrm>
-            <a:off x="4143375" y="0"/>
-            <a:ext cx="3170238" cy="479425"/>
+            <a:off x="5438180" y="0"/>
+            <a:ext cx="4160937" cy="365276"/>
           </a:xfrm>
           <a:prstGeom prst="rect">
             <a:avLst/>
@@ -286,8 +286,8 @@
         </p:nvSpPr>
         <p:spPr bwMode="auto">
           <a:xfrm>
-            <a:off x="0" y="9120188"/>
-            <a:ext cx="3170238" cy="479425"/>
+            <a:off x="0" y="6948715"/>
+            <a:ext cx="4160937" cy="365276"/>
           </a:xfrm>
           <a:prstGeom prst="rect">
             <a:avLst/>
@@ -332,8 +332,8 @@
         </p:nvSpPr>
         <p:spPr bwMode="auto">
           <a:xfrm>
-            <a:off x="4143375" y="9120188"/>
-            <a:ext cx="3170238" cy="479425"/>
+            <a:off x="5438180" y="6948715"/>
+            <a:ext cx="4160937" cy="365276"/>
           </a:xfrm>
           <a:prstGeom prst="rect">
             <a:avLst/>
@@ -422,7 +422,7 @@
         <p:spPr bwMode="auto">
           <a:xfrm>
             <a:off x="0" y="0"/>
-            <a:ext cx="3170238" cy="479425"/>
+            <a:ext cx="4160937" cy="365276"/>
           </a:xfrm>
           <a:prstGeom prst="rect">
             <a:avLst/>
@@ -467,8 +467,8 @@
         </p:nvSpPr>
         <p:spPr bwMode="auto">
           <a:xfrm>
-            <a:off x="4144963" y="0"/>
-            <a:ext cx="3170237" cy="479425"/>
+            <a:off x="5440265" y="0"/>
+            <a:ext cx="4160936" cy="365276"/>
           </a:xfrm>
           <a:prstGeom prst="rect">
             <a:avLst/>
@@ -513,8 +513,8 @@
         </p:nvSpPr>
         <p:spPr bwMode="auto">
           <a:xfrm>
-            <a:off x="1257300" y="720725"/>
-            <a:ext cx="4800600" cy="3600450"/>
+            <a:off x="2971800" y="549275"/>
+            <a:ext cx="3657600" cy="2743200"/>
           </a:xfrm>
           <a:prstGeom prst="rect">
             <a:avLst/>
@@ -542,8 +542,8 @@
         </p:nvSpPr>
         <p:spPr bwMode="auto">
           <a:xfrm>
-            <a:off x="974725" y="4560888"/>
-            <a:ext cx="5365750" cy="4319587"/>
+            <a:off x="1279327" y="3474963"/>
+            <a:ext cx="7042547" cy="3291114"/>
           </a:xfrm>
           <a:prstGeom prst="rect">
             <a:avLst/>
@@ -613,8 +613,8 @@
         </p:nvSpPr>
         <p:spPr bwMode="auto">
           <a:xfrm>
-            <a:off x="0" y="9121775"/>
-            <a:ext cx="3170238" cy="479425"/>
+            <a:off x="0" y="6949924"/>
+            <a:ext cx="4160937" cy="365276"/>
           </a:xfrm>
           <a:prstGeom prst="rect">
             <a:avLst/>
@@ -659,8 +659,8 @@
         </p:nvSpPr>
         <p:spPr bwMode="auto">
           <a:xfrm>
-            <a:off x="4144963" y="9121775"/>
-            <a:ext cx="3170237" cy="479425"/>
+            <a:off x="5440265" y="6949924"/>
+            <a:ext cx="4160936" cy="365276"/>
           </a:xfrm>
           <a:prstGeom prst="rect">
             <a:avLst/>
@@ -2620,13 +2620,7 @@
               <a:rPr lang="en-US" sz="1000" dirty="0" smtClean="0">
                 <a:latin typeface="Comic Sans MS" pitchFamily="66" charset="0"/>
               </a:rPr>
-              <a:t>February </a:t>
-            </a:r>
-            <a:r>
-              <a:rPr lang="en-US" sz="1000" dirty="0" smtClean="0">
-                <a:latin typeface="Comic Sans MS" pitchFamily="66" charset="0"/>
-              </a:rPr>
-              <a:t>8,</a:t>
+              <a:t>February 8,</a:t>
             </a:r>
             <a:r>
               <a:rPr lang="en-US" sz="1000" baseline="0" dirty="0" smtClean="0">
@@ -3192,8 +3186,8 @@
         </p:nvSpPr>
         <p:spPr>
           <a:xfrm>
-            <a:off x="338074" y="2079252"/>
-            <a:ext cx="8373935" cy="2772200"/>
+            <a:off x="173681" y="2144388"/>
+            <a:ext cx="8749148" cy="2545218"/>
           </a:xfrm>
           <a:prstGeom prst="rect">
             <a:avLst/>
@@ -3204,14 +3198,54 @@
           <a:lstStyle/>
           <a:p>
             <a:r>
-              <a:rPr lang="en-US" sz="8000" dirty="0" smtClean="0">
+              <a:rPr lang="en-US" sz="6600" dirty="0" smtClean="0">
                 <a:solidFill>
                   <a:schemeClr val="tx2"/>
                 </a:solidFill>
                 <a:latin typeface="Comic Sans MS" pitchFamily="66" charset="0"/>
               </a:rPr>
-              <a:t>Another Proof by Cases</a:t>
-            </a:r>
+              <a:t>Proof </a:t>
+            </a:r>
+            <a:r>
+              <a:rPr lang="en-US" sz="6600" dirty="0" smtClean="0">
+                <a:solidFill>
+                  <a:schemeClr val="tx2"/>
+                </a:solidFill>
+                <a:latin typeface="Comic Sans MS" pitchFamily="66" charset="0"/>
+              </a:rPr>
+              <a:t>by </a:t>
+            </a:r>
+            <a:r>
+              <a:rPr lang="en-US" sz="6600" dirty="0" smtClean="0">
+                <a:solidFill>
+                  <a:srgbClr val="006600"/>
+                </a:solidFill>
+                <a:latin typeface="Comic Sans MS" pitchFamily="66" charset="0"/>
+              </a:rPr>
+              <a:t>Cases</a:t>
+            </a:r>
+            <a:r>
+              <a:rPr lang="en-US" sz="6600" dirty="0" smtClean="0">
+                <a:solidFill>
+                  <a:schemeClr val="tx2"/>
+                </a:solidFill>
+                <a:latin typeface="Comic Sans MS" pitchFamily="66" charset="0"/>
+              </a:rPr>
+              <a:t>:</a:t>
+            </a:r>
+          </a:p>
+          <a:p>
+            <a:r>
+              <a:rPr lang="en-US" sz="6600" kern="0" dirty="0">
+                <a:latin typeface="Comic Sans MS" pitchFamily="66" charset="0"/>
+                <a:ea typeface="+mj-ea"/>
+                <a:cs typeface="+mj-cs"/>
+              </a:rPr>
+              <a:t>Friends &amp; Strangers</a:t>
+            </a:r>
+            <a:endParaRPr lang="en-US" sz="13800" dirty="0" smtClean="0">
+              <a:latin typeface="Comic Sans MS" pitchFamily="66" charset="0"/>
+            </a:endParaRPr>
           </a:p>
         </p:txBody>
       </p:sp>
@@ -3815,7 +3849,16 @@
                 </a:solidFill>
                 <a:latin typeface="Comic Sans MS" pitchFamily="66" charset="0"/>
               </a:rPr>
-              <a:t>red clique</a:t>
+              <a:t>red </a:t>
+            </a:r>
+            <a:r>
+              <a:rPr lang="en-US" sz="3600" i="1" dirty="0" smtClean="0">
+                <a:solidFill>
+                  <a:srgbClr val="C40025"/>
+                </a:solidFill>
+                <a:latin typeface="Comic Sans MS" pitchFamily="66" charset="0"/>
+              </a:rPr>
+              <a:t>clique</a:t>
             </a:r>
             <a:r>
               <a:rPr lang="en-US" sz="3600" dirty="0" smtClean="0">
@@ -3879,7 +3922,7 @@
               <a:t>blue </a:t>
             </a:r>
             <a:r>
-              <a:rPr lang="en-US" sz="3600" dirty="0">
+              <a:rPr lang="en-US" sz="3600" i="1" dirty="0">
                 <a:solidFill>
                   <a:schemeClr val="accent1">
                     <a:lumMod val="50000"/>
@@ -4383,8 +4426,8 @@
         </p:nvSpPr>
         <p:spPr bwMode="auto">
           <a:xfrm>
-            <a:off x="228600" y="2147888"/>
-            <a:ext cx="8686800" cy="2555875"/>
+            <a:off x="228600" y="1572520"/>
+            <a:ext cx="8686800" cy="3785652"/>
           </a:xfrm>
           <a:prstGeom prst="rect">
             <a:avLst/>
@@ -4441,7 +4484,7 @@
             </a:r>
           </a:p>
           <a:p>
-            <a:pPr algn="l">
+            <a:pPr>
               <a:defRPr/>
             </a:pPr>
             <a:r>
@@ -4555,8 +4598,43 @@
                 </a:solidFill>
                 <a:latin typeface="Comic Sans MS" pitchFamily="66" charset="0"/>
               </a:rPr>
-              <a:t>challenge!</a:t>
-            </a:r>
+              <a:t>challenge</a:t>
+            </a:r>
+            <a:r>
+              <a:rPr lang="en-US" sz="4000" dirty="0" smtClean="0">
+                <a:solidFill>
+                  <a:schemeClr val="tx1">
+                    <a:lumMod val="95000"/>
+                    <a:lumOff val="5000"/>
+                  </a:schemeClr>
+                </a:solidFill>
+                <a:latin typeface="Comic Sans MS" pitchFamily="66" charset="0"/>
+              </a:rPr>
+              <a:t>!</a:t>
+            </a:r>
+          </a:p>
+          <a:p>
+            <a:pPr>
+              <a:spcAft>
+                <a:spcPts val="1800"/>
+              </a:spcAft>
+              <a:defRPr/>
+            </a:pPr>
+            <a:r>
+              <a:rPr lang="en-US" sz="4000" dirty="0" smtClean="0">
+                <a:solidFill>
+                  <a:srgbClr val="000099"/>
+                </a:solidFill>
+                <a:latin typeface="Comic Sans MS" pitchFamily="66" charset="0"/>
+              </a:rPr>
+              <a:t>So in our second class, we have reached a research frontier!</a:t>
+            </a:r>
+            <a:endParaRPr lang="en-US" sz="4000" dirty="0">
+              <a:solidFill>
+                <a:srgbClr val="000099"/>
+              </a:solidFill>
+              <a:latin typeface="Comic Sans MS" pitchFamily="66" charset="0"/>
+            </a:endParaRPr>
           </a:p>
         </p:txBody>
       </p:sp>
@@ -4779,6 +4857,110 @@
                                           <p:spTgt spid="6">
                                             <p:txEl>
                                               <p:pRg st="3" end="3"/>
+                                            </p:txEl>
+                                          </p:spTgt>
+                                        </p:tgtEl>
+                                      </p:cBhvr>
+                                    </p:animEffect>
+                                  </p:childTnLst>
+                                </p:cTn>
+                              </p:par>
+                            </p:childTnLst>
+                          </p:cTn>
+                        </p:par>
+                      </p:childTnLst>
+                    </p:cTn>
+                  </p:par>
+                  <p:par>
+                    <p:cTn id="16" fill="hold">
+                      <p:stCondLst>
+                        <p:cond delay="indefinite"/>
+                      </p:stCondLst>
+                      <p:childTnLst>
+                        <p:par>
+                          <p:cTn id="17" fill="hold">
+                            <p:stCondLst>
+                              <p:cond delay="0"/>
+                            </p:stCondLst>
+                            <p:childTnLst>
+                              <p:par>
+                                <p:cTn id="18" presetID="9" presetClass="entr" presetSubtype="0" fill="hold" nodeType="clickEffect">
+                                  <p:stCondLst>
+                                    <p:cond delay="0"/>
+                                  </p:stCondLst>
+                                  <p:childTnLst>
+                                    <p:set>
+                                      <p:cBhvr>
+                                        <p:cTn id="19" dur="1" fill="hold">
+                                          <p:stCondLst>
+                                            <p:cond delay="0"/>
+                                          </p:stCondLst>
+                                        </p:cTn>
+                                        <p:tgtEl>
+                                          <p:spTgt spid="6">
+                                            <p:txEl>
+                                              <p:pRg st="4" end="4"/>
+                                            </p:txEl>
+                                          </p:spTgt>
+                                        </p:tgtEl>
+                                        <p:attrNameLst>
+                                          <p:attrName>style.visibility</p:attrName>
+                                        </p:attrNameLst>
+                                      </p:cBhvr>
+                                      <p:to>
+                                        <p:strVal val="visible"/>
+                                      </p:to>
+                                    </p:set>
+                                    <p:animEffect transition="in" filter="dissolve">
+                                      <p:cBhvr>
+                                        <p:cTn id="20" dur="500"/>
+                                        <p:tgtEl>
+                                          <p:spTgt spid="6">
+                                            <p:txEl>
+                                              <p:pRg st="4" end="4"/>
+                                            </p:txEl>
+                                          </p:spTgt>
+                                        </p:tgtEl>
+                                      </p:cBhvr>
+                                    </p:animEffect>
+                                  </p:childTnLst>
+                                </p:cTn>
+                              </p:par>
+                              <p:par>
+                                <p:cTn id="21" presetID="10" presetClass="entr" presetSubtype="0" fill="hold" nodeType="withEffect">
+                                  <p:stCondLst>
+                                    <p:cond delay="0"/>
+                                  </p:stCondLst>
+                                  <p:childTnLst>
+                                    <p:set>
+                                      <p:cBhvr>
+                                        <p:cTn id="22" dur="1" fill="hold">
+                                          <p:stCondLst>
+                                            <p:cond delay="0"/>
+                                          </p:stCondLst>
+                                        </p:cTn>
+                                        <p:tgtEl>
+                                          <p:spTgt spid="6">
+                                            <p:txEl>
+                                              <p:pRg st="4" end="4"/>
+                                            </p:txEl>
+                                          </p:spTgt>
+                                        </p:tgtEl>
+                                        <p:attrNameLst>
+                                          <p:attrName>style.visibility</p:attrName>
+                                        </p:attrNameLst>
+                                      </p:cBhvr>
+                                      <p:to>
+                                        <p:strVal val="visible"/>
+                                      </p:to>
+                                    </p:set>
+                                    <p:animEffect transition="in" filter="fade">
+                                      <p:cBhvr>
+                                        <p:cTn id="23" dur="500"/>
+                                        <p:tgtEl>
+                                          <p:spTgt spid="6">
+                                            <p:txEl>
+                                              <p:pRg st="4" end="4"/>
                                             </p:txEl>
                                           </p:spTgt>
                                         </p:tgtEl>
@@ -10187,11 +10369,15 @@
                   <a:srgbClr val="F27122"/>
                 </a:solidFill>
               </a:rPr>
-              <a:t>2</a:t>
+              <a:t>some pair </a:t>
             </a:r>
             <a:r>
               <a:rPr lang="en-US" dirty="0" smtClean="0"/>
-              <a:t> of these friends are</a:t>
+              <a:t>o</a:t>
+            </a:r>
+            <a:r>
+              <a:rPr lang="en-US" dirty="0" smtClean="0"/>
+              <a:t>f these friends </a:t>
             </a:r>
           </a:p>
           <a:p>
@@ -10201,7 +10387,11 @@
             </a:pPr>
             <a:r>
               <a:rPr lang="en-US" dirty="0" smtClean="0"/>
-              <a:t>friends of each other,</a:t>
+              <a:t>are friends </a:t>
+            </a:r>
+            <a:r>
+              <a:rPr lang="en-US" dirty="0" smtClean="0"/>
+              <a:t>of each other,</a:t>
             </a:r>
           </a:p>
           <a:p>
@@ -11534,7 +11724,23 @@
             </a:pPr>
             <a:r>
               <a:rPr lang="en-US" dirty="0" smtClean="0"/>
-              <a:t>Case 2:  none of these friends</a:t>
+              <a:t>Case 2:  </a:t>
+            </a:r>
+            <a:r>
+              <a:rPr lang="en-US" dirty="0" smtClean="0">
+                <a:solidFill>
+                  <a:srgbClr val="F27122"/>
+                </a:solidFill>
+              </a:rPr>
+              <a:t>no pair</a:t>
+            </a:r>
+            <a:r>
+              <a:rPr lang="en-US" dirty="0" smtClean="0"/>
+              <a:t> </a:t>
+            </a:r>
+            <a:r>
+              <a:rPr lang="en-US" dirty="0" smtClean="0"/>
+              <a:t>of these friends</a:t>
             </a:r>
             <a:r>
               <a:rPr lang="en-US" dirty="0">

--- a/spring15/slidesS15/friends-cases.pptx
+++ b/spring15/slidesS15/friends-cases.pptx
@@ -3204,16 +3204,7 @@
                 </a:solidFill>
                 <a:latin typeface="Comic Sans MS" pitchFamily="66" charset="0"/>
               </a:rPr>
-              <a:t>Proof </a:t>
-            </a:r>
-            <a:r>
-              <a:rPr lang="en-US" sz="6600" dirty="0" smtClean="0">
-                <a:solidFill>
-                  <a:schemeClr val="tx2"/>
-                </a:solidFill>
-                <a:latin typeface="Comic Sans MS" pitchFamily="66" charset="0"/>
-              </a:rPr>
-              <a:t>by </a:t>
+              <a:t>Proof by </a:t>
             </a:r>
             <a:r>
               <a:rPr lang="en-US" sz="6600" dirty="0" smtClean="0">
@@ -10373,11 +10364,7 @@
             </a:r>
             <a:r>
               <a:rPr lang="en-US" dirty="0" smtClean="0"/>
-              <a:t>o</a:t>
-            </a:r>
-            <a:r>
-              <a:rPr lang="en-US" dirty="0" smtClean="0"/>
-              <a:t>f these friends </a:t>
+              <a:t>of these friends </a:t>
             </a:r>
           </a:p>
           <a:p>
@@ -10387,11 +10374,7 @@
             </a:pPr>
             <a:r>
               <a:rPr lang="en-US" dirty="0" smtClean="0"/>
-              <a:t>are friends </a:t>
-            </a:r>
-            <a:r>
-              <a:rPr lang="en-US" dirty="0" smtClean="0"/>
-              <a:t>of each other,</a:t>
+              <a:t>are friends of each other,</a:t>
             </a:r>
           </a:p>
           <a:p>
@@ -11364,9 +11347,6 @@
                     <p:cTn id="3" fill="hold">
                       <p:stCondLst>
                         <p:cond delay="indefinite"/>
-                        <p:cond evt="onBegin" delay="0">
-                          <p:tn val="2"/>
-                        </p:cond>
                       </p:stCondLst>
                       <p:childTnLst>
                         <p:par>
@@ -11376,7 +11356,7 @@
                             </p:stCondLst>
                             <p:childTnLst>
                               <p:par>
-                                <p:cTn id="5" presetID="9" presetClass="entr" presetSubtype="0" fill="hold" grpId="0" nodeType="withEffect">
+                                <p:cTn id="5" presetID="9" presetClass="entr" presetSubtype="0" fill="hold" grpId="0" nodeType="clickEffect">
                                   <p:stCondLst>
                                     <p:cond delay="0"/>
                                   </p:stCondLst>
@@ -11464,21 +11444,30 @@
                             </p:childTnLst>
                           </p:cTn>
                         </p:par>
+                      </p:childTnLst>
+                    </p:cTn>
+                  </p:par>
+                  <p:par>
+                    <p:cTn id="11" fill="hold">
+                      <p:stCondLst>
+                        <p:cond delay="indefinite"/>
+                      </p:stCondLst>
+                      <p:childTnLst>
                         <p:par>
-                          <p:cTn id="11" fill="hold">
+                          <p:cTn id="12" fill="hold">
                             <p:stCondLst>
-                              <p:cond delay="500"/>
+                              <p:cond delay="0"/>
                             </p:stCondLst>
                             <p:childTnLst>
                               <p:par>
-                                <p:cTn id="12" presetID="1" presetClass="entr" presetSubtype="0" fill="hold" nodeType="afterEffect">
+                                <p:cTn id="13" presetID="1" presetClass="entr" presetSubtype="0" fill="hold" nodeType="clickEffect">
                                   <p:stCondLst>
                                     <p:cond delay="0"/>
                                   </p:stCondLst>
                                   <p:childTnLst>
                                     <p:set>
                                       <p:cBhvr>
-                                        <p:cTn id="13" dur="1" fill="hold">
+                                        <p:cTn id="14" dur="1" fill="hold">
                                           <p:stCondLst>
                                             <p:cond delay="0"/>
                                           </p:stCondLst>
@@ -11501,20 +11490,20 @@
                           </p:cTn>
                         </p:par>
                         <p:par>
-                          <p:cTn id="14" fill="hold">
+                          <p:cTn id="15" fill="hold">
                             <p:stCondLst>
-                              <p:cond delay="500"/>
+                              <p:cond delay="0"/>
                             </p:stCondLst>
                             <p:childTnLst>
                               <p:par>
-                                <p:cTn id="15" presetID="22" presetClass="entr" presetSubtype="4" fill="hold" nodeType="afterEffect">
+                                <p:cTn id="16" presetID="22" presetClass="entr" presetSubtype="4" fill="hold" nodeType="afterEffect">
                                   <p:stCondLst>
                                     <p:cond delay="0"/>
                                   </p:stCondLst>
                                   <p:childTnLst>
                                     <p:set>
                                       <p:cBhvr>
-                                        <p:cTn id="16" dur="1" fill="hold">
+                                        <p:cTn id="17" dur="1" fill="hold">
                                           <p:stCondLst>
                                             <p:cond delay="0"/>
                                           </p:stCondLst>
@@ -11532,7 +11521,7 @@
                                     </p:set>
                                     <p:animEffect transition="in" filter="wipe(down)">
                                       <p:cBhvr>
-                                        <p:cTn id="17" dur="500"/>
+                                        <p:cTn id="18" dur="500"/>
                                         <p:tgtEl>
                                           <p:spTgt spid="112"/>
                                         </p:tgtEl>
@@ -11548,26 +11537,26 @@
                     </p:cTn>
                   </p:par>
                   <p:par>
-                    <p:cTn id="18" fill="hold">
+                    <p:cTn id="19" fill="hold">
                       <p:stCondLst>
                         <p:cond delay="indefinite"/>
                       </p:stCondLst>
                       <p:childTnLst>
                         <p:par>
-                          <p:cTn id="19" fill="hold">
+                          <p:cTn id="20" fill="hold">
                             <p:stCondLst>
                               <p:cond delay="0"/>
                             </p:stCondLst>
                             <p:childTnLst>
                               <p:par>
-                                <p:cTn id="20" presetID="9" presetClass="entr" presetSubtype="0" fill="hold" grpId="0" nodeType="clickEffect">
+                                <p:cTn id="21" presetID="9" presetClass="entr" presetSubtype="0" fill="hold" grpId="0" nodeType="clickEffect">
                                   <p:stCondLst>
                                     <p:cond delay="0"/>
                                   </p:stCondLst>
                                   <p:childTnLst>
                                     <p:set>
                                       <p:cBhvr>
-                                        <p:cTn id="21" dur="1" fill="hold">
+                                        <p:cTn id="22" dur="1" fill="hold">
                                           <p:stCondLst>
                                             <p:cond delay="0"/>
                                           </p:stCondLst>
@@ -11589,7 +11578,7 @@
                                     </p:set>
                                     <p:animEffect transition="in" filter="dissolve">
                                       <p:cBhvr>
-                                        <p:cTn id="22" dur="500"/>
+                                        <p:cTn id="23" dur="500"/>
                                         <p:tgtEl>
                                           <p:spTgt spid="347139">
                                             <p:txEl>
@@ -11606,20 +11595,20 @@
                           </p:cTn>
                         </p:par>
                         <p:par>
-                          <p:cTn id="23" fill="hold">
+                          <p:cTn id="24" fill="hold">
                             <p:stCondLst>
                               <p:cond delay="500"/>
                             </p:stCondLst>
                             <p:childTnLst>
                               <p:par>
-                                <p:cTn id="24" presetID="9" presetClass="entr" presetSubtype="0" fill="hold" nodeType="afterEffect">
+                                <p:cTn id="25" presetID="9" presetClass="entr" presetSubtype="0" fill="hold" nodeType="afterEffect">
                                   <p:stCondLst>
                                     <p:cond delay="0"/>
                                   </p:stCondLst>
                                   <p:childTnLst>
                                     <p:set>
                                       <p:cBhvr>
-                                        <p:cTn id="25" dur="1" fill="hold">
+                                        <p:cTn id="26" dur="1" fill="hold">
                                           <p:stCondLst>
                                             <p:cond delay="0"/>
                                           </p:stCondLst>
@@ -11637,7 +11626,7 @@
                                     </p:set>
                                     <p:animEffect transition="in" filter="dissolve">
                                       <p:cBhvr>
-                                        <p:cTn id="26" dur="1000"/>
+                                        <p:cTn id="27" dur="1000"/>
                                         <p:tgtEl>
                                           <p:spTgt spid="7"/>
                                         </p:tgtEl>
@@ -11736,11 +11725,7 @@
             </a:r>
             <a:r>
               <a:rPr lang="en-US" dirty="0" smtClean="0"/>
-              <a:t> </a:t>
-            </a:r>
-            <a:r>
-              <a:rPr lang="en-US" dirty="0" smtClean="0"/>
-              <a:t>of these friends</a:t>
+              <a:t> of these friends</a:t>
             </a:r>
             <a:r>
               <a:rPr lang="en-US" dirty="0">
